--- a/元旦联欢会 - Release.pptx
+++ b/元旦联欢会 - Release.pptx
@@ -5,18 +5,18 @@
     <p:sldMasterId id="2147483648" r:id="rId1"/>
   </p:sldMasterIdLst>
   <p:notesMasterIdLst>
-    <p:notesMasterId r:id="rId3"/>
+    <p:notesMasterId r:id="rId4"/>
   </p:notesMasterIdLst>
   <p:handoutMasterIdLst>
-    <p:handoutMasterId r:id="rId4"/>
+    <p:handoutMasterId r:id="rId5"/>
   </p:handoutMasterIdLst>
   <p:sldIdLst>
-    <p:sldId id="325" r:id="rId2"/>
+    <p:sldId id="325" r:id="rId3"/>
   </p:sldIdLst>
   <p:sldSz cx="12192000" cy="6858000"/>
   <p:notesSz cx="6858000" cy="9144000"/>
   <p:custDataLst>
-    <p:tags r:id="rId5"/>
+    <p:tags r:id="rId9"/>
   </p:custDataLst>
   <p:defaultTextStyle>
     <a:defPPr>
@@ -113,6 +113,7 @@
       </a:defRPr>
     </a:lvl9pPr>
   </p:defaultTextStyle>
+  <p:modifyVerifier cryptProviderType="rsaFull" cryptAlgorithmClass="hash" cryptAlgorithmType="typeAny" cryptAlgorithmSid="4" spinCount="100000" saltData="96lNRZ8vHIBRwAMODuAaAQ==" hashData="5AhrMtcU/yRcaS4mrPfwHy/knes="/>
   <p:extLst>
     <p:ext uri="{EFAFB233-063F-42B5-8137-9DF3F51BA10A}">
       <p15:sldGuideLst xmlns:p15="http://schemas.microsoft.com/office/powerpoint/2012/main">
@@ -137,9 +138,6 @@
           </p15:clr>
         </p15:guide>
       </p15:sldGuideLst>
-    </p:ext>
-    <p:ext uri="{2D200454-40CA-4A62-9FC3-DE9A4176ACB9}">
-      <p15:notesGuideLst xmlns:p15="http://schemas.microsoft.com/office/powerpoint/2012/main"/>
     </p:ext>
   </p:extLst>
 </p:presentation>
@@ -227,7 +225,6 @@
           <a:p>
             <a:fld id="{0F9B84EA-7D68-4D60-9CB1-D50884785D1C}" type="datetimeFigureOut">
               <a:rPr lang="zh-CN" altLang="en-US" smtClean="0"/>
-              <a:t>2025/12/28</a:t>
             </a:fld>
             <a:endParaRPr lang="zh-CN" altLang="en-US"/>
           </a:p>
@@ -293,18 +290,12 @@
           <a:p>
             <a:fld id="{8D4E0FC9-F1F8-4FAE-9988-3BA365CFD46F}" type="slidenum">
               <a:rPr lang="zh-CN" altLang="en-US" smtClean="0"/>
-              <a:t>‹#›</a:t>
             </a:fld>
             <a:endParaRPr lang="zh-CN" altLang="en-US"/>
           </a:p>
         </p:txBody>
       </p:sp>
     </p:spTree>
-    <p:extLst>
-      <p:ext uri="{BB962C8B-B14F-4D97-AF65-F5344CB8AC3E}">
-        <p14:creationId xmlns:p14="http://schemas.microsoft.com/office/powerpoint/2010/main" val="1"/>
-      </p:ext>
-    </p:extLst>
   </p:cSld>
   <p:clrMap bg1="lt1" tx1="dk1" bg2="lt2" tx2="dk2" accent1="accent1" accent2="accent2" accent3="accent3" accent4="accent4" accent5="accent5" accent6="accent6" hlink="hlink" folHlink="folHlink"/>
 </p:handoutMaster>
@@ -396,7 +387,6 @@
           <a:p>
             <a:fld id="{72C11328-E932-4978-B593-20E892005615}" type="datetimeFigureOut">
               <a:rPr lang="zh-CN" altLang="en-US" smtClean="0"/>
-              <a:t>2025/12/28</a:t>
             </a:fld>
             <a:endParaRPr lang="zh-CN" altLang="en-US"/>
           </a:p>
@@ -456,6 +446,7 @@
               <a:rPr lang="zh-CN" altLang="en-US"/>
               <a:t>单击此处编辑母版文本样式</a:t>
             </a:r>
+            <a:endParaRPr lang="zh-CN" altLang="en-US"/>
           </a:p>
           <a:p>
             <a:pPr lvl="1"/>
@@ -463,6 +454,7 @@
               <a:rPr lang="zh-CN" altLang="en-US"/>
               <a:t>第二级</a:t>
             </a:r>
+            <a:endParaRPr lang="zh-CN" altLang="en-US"/>
           </a:p>
           <a:p>
             <a:pPr lvl="2"/>
@@ -470,6 +462,7 @@
               <a:rPr lang="zh-CN" altLang="en-US"/>
               <a:t>第三级</a:t>
             </a:r>
+            <a:endParaRPr lang="zh-CN" altLang="en-US"/>
           </a:p>
           <a:p>
             <a:pPr lvl="3"/>
@@ -477,6 +470,7 @@
               <a:rPr lang="zh-CN" altLang="en-US"/>
               <a:t>第四级</a:t>
             </a:r>
+            <a:endParaRPr lang="zh-CN" altLang="en-US"/>
           </a:p>
           <a:p>
             <a:pPr lvl="4"/>
@@ -484,6 +478,7 @@
               <a:rPr lang="zh-CN" altLang="en-US"/>
               <a:t>第五级</a:t>
             </a:r>
+            <a:endParaRPr lang="zh-CN" altLang="en-US"/>
           </a:p>
         </p:txBody>
       </p:sp>
@@ -551,7 +546,6 @@
           <a:p>
             <a:fld id="{F2E81C92-FB04-4531-AA7B-867E9634CAD9}" type="slidenum">
               <a:rPr lang="zh-CN" altLang="en-US" smtClean="0"/>
-              <a:t>‹#›</a:t>
             </a:fld>
             <a:endParaRPr lang="zh-CN" altLang="en-US"/>
           </a:p>
@@ -711,12 +705,14 @@
               <a:rPr lang="en-US" altLang="zh-CN"/>
               <a:t>81113102</a:t>
             </a:r>
+            <a:endParaRPr lang="en-US" altLang="zh-CN"/>
           </a:p>
           <a:p>
             <a:r>
               <a:rPr lang="en-US" altLang="zh-CN"/>
               <a:t>``````````````````````````````````````````````````````````````````````````````````````````````````</a:t>
             </a:r>
+            <a:endParaRPr lang="en-US" altLang="zh-CN"/>
           </a:p>
           <a:p>
             <a:r>
@@ -1159,7 +1155,7 @@
           <p:nvPr userDrawn="1"/>
         </p:nvPicPr>
         <p:blipFill>
-          <a:blip r:embed="rId5">
+          <a:blip r:embed="rId4">
             <a:extLst>
               <a:ext uri="{28A0092B-C50C-407E-A947-70E740481C1C}">
                 <a14:useLocalDpi xmlns:a14="http://schemas.microsoft.com/office/drawing/2010/main" val="0"/>
@@ -1498,7 +1494,7 @@
           <p:nvPr/>
         </p:nvPicPr>
         <p:blipFill>
-          <a:blip r:embed="rId3" cstate="print">
+          <a:blip r:embed="rId1" cstate="print">
             <a:extLst>
               <a:ext uri="{28A0092B-C50C-407E-A947-70E740481C1C}">
                 <a14:useLocalDpi xmlns:a14="http://schemas.microsoft.com/office/drawing/2010/main" val="0"/>
@@ -1552,6 +1548,13 @@
               </a:rPr>
               <a:t>班级元旦联欢会</a:t>
             </a:r>
+            <a:endParaRPr lang="zh-CN" altLang="en-US" sz="3000">
+              <a:solidFill>
+                <a:schemeClr val="bg1"/>
+              </a:solidFill>
+              <a:latin typeface="思源宋体 CN Heavy" panose="02020900000000000000" pitchFamily="18" charset="-122"/>
+              <a:ea typeface="思源宋体 CN Heavy" panose="02020900000000000000" pitchFamily="18" charset="-122"/>
+            </a:endParaRPr>
           </a:p>
         </p:txBody>
       </p:sp>
@@ -1564,7 +1567,7 @@
           <p:nvPr/>
         </p:nvPicPr>
         <p:blipFill>
-          <a:blip r:embed="rId4">
+          <a:blip r:embed="rId2">
             <a:extLst>
               <a:ext uri="{28A0092B-C50C-407E-A947-70E740481C1C}">
                 <a14:useLocalDpi xmlns:a14="http://schemas.microsoft.com/office/drawing/2010/main" val="0"/>
@@ -1594,7 +1597,7 @@
           <p:nvPr/>
         </p:nvPicPr>
         <p:blipFill>
-          <a:blip r:embed="rId5">
+          <a:blip r:embed="rId3">
             <a:extLst>
               <a:ext uri="{28A0092B-C50C-407E-A947-70E740481C1C}">
                 <a14:useLocalDpi xmlns:a14="http://schemas.microsoft.com/office/drawing/2010/main" val="0"/>
@@ -1624,7 +1627,7 @@
           <p:nvPr/>
         </p:nvPicPr>
         <p:blipFill>
-          <a:blip r:embed="rId6">
+          <a:blip r:embed="rId4">
             <a:extLst>
               <a:ext uri="{28A0092B-C50C-407E-A947-70E740481C1C}">
                 <a14:useLocalDpi xmlns:a14="http://schemas.microsoft.com/office/drawing/2010/main" val="0"/>
@@ -1654,7 +1657,7 @@
           <p:nvPr/>
         </p:nvPicPr>
         <p:blipFill>
-          <a:blip r:embed="rId7">
+          <a:blip r:embed="rId5">
             <a:extLst>
               <a:ext uri="{28A0092B-C50C-407E-A947-70E740481C1C}">
                 <a14:useLocalDpi xmlns:a14="http://schemas.microsoft.com/office/drawing/2010/main" val="0"/>
@@ -9320,7 +9323,7 @@
             <p:nvPr/>
           </p:nvPicPr>
           <p:blipFill>
-            <a:blip r:embed="rId8">
+            <a:blip r:embed="rId6">
               <a:extLst>
                 <a:ext uri="{28A0092B-C50C-407E-A947-70E740481C1C}">
                   <a14:useLocalDpi xmlns:a14="http://schemas.microsoft.com/office/drawing/2010/main" val="0"/>
@@ -9351,7 +9354,7 @@
           <p:nvPr/>
         </p:nvPicPr>
         <p:blipFill>
-          <a:blip r:embed="rId9">
+          <a:blip r:embed="rId7">
             <a:extLst>
               <a:ext uri="{28A0092B-C50C-407E-A947-70E740481C1C}">
                 <a14:useLocalDpi xmlns:a14="http://schemas.microsoft.com/office/drawing/2010/main" val="0"/>
@@ -9381,7 +9384,7 @@
           <p:nvPr/>
         </p:nvPicPr>
         <p:blipFill>
-          <a:blip r:embed="rId10">
+          <a:blip r:embed="rId8">
             <a:extLst>
               <a:ext uri="{28A0092B-C50C-407E-A947-70E740481C1C}">
                 <a14:useLocalDpi xmlns:a14="http://schemas.microsoft.com/office/drawing/2010/main" val="0"/>
@@ -9411,7 +9414,7 @@
           <p:nvPr/>
         </p:nvPicPr>
         <p:blipFill>
-          <a:blip r:embed="rId11" cstate="print">
+          <a:blip r:embed="rId9" cstate="print">
             <a:extLst>
               <a:ext uri="{28A0092B-C50C-407E-A947-70E740481C1C}">
                 <a14:useLocalDpi xmlns:a14="http://schemas.microsoft.com/office/drawing/2010/main" val="0"/>
@@ -9469,6 +9472,13 @@
               </a:rPr>
               <a:t>Class New Year's Eve Party</a:t>
             </a:r>
+            <a:endParaRPr lang="en-US" altLang="zh-CN" sz="1400">
+              <a:solidFill>
+                <a:schemeClr val="bg1"/>
+              </a:solidFill>
+              <a:ea typeface="Roboto Light" charset="0"/>
+              <a:cs typeface="Roboto Light" charset="0"/>
+            </a:endParaRPr>
           </a:p>
         </p:txBody>
       </p:sp>
@@ -9531,6 +9541,12 @@
               </a:rPr>
               <a:t>）班</a:t>
             </a:r>
+            <a:endParaRPr lang="zh-CN" altLang="en-US" sz="1200">
+              <a:solidFill>
+                <a:schemeClr val="bg1"/>
+              </a:solidFill>
+              <a:latin typeface="+mj-lt"/>
+            </a:endParaRPr>
           </a:p>
         </p:txBody>
       </p:sp>
@@ -9604,6 +9620,13 @@
               </a:rPr>
               <a:t>徐壬泽</a:t>
             </a:r>
+            <a:endParaRPr lang="zh-CN" altLang="en-US" sz="1200">
+              <a:solidFill>
+                <a:schemeClr val="bg1"/>
+              </a:solidFill>
+              <a:latin typeface="+mj-lt"/>
+              <a:sym typeface="+mn-ea"/>
+            </a:endParaRPr>
           </a:p>
         </p:txBody>
       </p:sp>
@@ -9616,7 +9639,7 @@
           <p:nvPr/>
         </p:nvPicPr>
         <p:blipFill>
-          <a:blip r:embed="rId12">
+          <a:blip r:embed="rId10">
             <a:extLst>
               <a:ext uri="{28A0092B-C50C-407E-A947-70E740481C1C}">
                 <a14:useLocalDpi xmlns:a14="http://schemas.microsoft.com/office/drawing/2010/main" val="0"/>
@@ -9672,6 +9695,7 @@
               <a:rPr lang="zh-CN" altLang="en-US"/>
               <a:t>周末版权所有</a:t>
             </a:r>
+            <a:endParaRPr lang="zh-CN" altLang="en-US"/>
           </a:p>
           <a:p>
             <a:pPr algn="ctr"/>
@@ -9715,6 +9739,11 @@
               </a:rPr>
               <a:t>™</a:t>
             </a:r>
+            <a:endParaRPr lang="en-US" altLang="en-US" i="1">
+              <a:solidFill>
+                <a:srgbClr val="2C98E9"/>
+              </a:solidFill>
+            </a:endParaRPr>
           </a:p>
           <a:p>
             <a:pPr algn="ctr"/>
@@ -9739,11 +9768,11 @@
   <p:clrMapOvr>
     <a:masterClrMapping/>
   </p:clrMapOvr>
-  <mc:AlternateContent xmlns:mc="http://schemas.openxmlformats.org/markup-compatibility/2006" xmlns:p14="http://schemas.microsoft.com/office/powerpoint/2010/main">
-    <mc:Choice Requires="p14">
+  <mc:AlternateContent xmlns:mc="http://schemas.openxmlformats.org/markup-compatibility/2006">
+    <mc:Choice xmlns:p14="http://schemas.microsoft.com/office/powerpoint/2010/main" Requires="p14">
       <p:transition p14:dur="10"/>
     </mc:Choice>
-    <mc:Fallback xmlns="">
+    <mc:Fallback>
       <p:transition/>
     </mc:Fallback>
   </mc:AlternateContent>
@@ -10703,7 +10732,7 @@
 </file>
 
 <file path=ppt/tags/tag1.xml><?xml version="1.0" encoding="utf-8"?>
-<p:tagLst xmlns:a="http://schemas.openxmlformats.org/drawingml/2006/main" xmlns:r="http://schemas.openxmlformats.org/officeDocument/2006/relationships" xmlns:p="http://schemas.openxmlformats.org/presentationml/2006/main">
+<p:tagLst xmlns:p="http://schemas.openxmlformats.org/presentationml/2006/main">
   <p:tag name="AS_NET" val="4.0.30319.42000"/>
   <p:tag name="AS_OS" val="Microsoft Windows NT 6.2.9200.0"/>
   <p:tag name="AS_RELEASE_DATE" val="2016.09.30"/>
@@ -10916,8 +10945,6 @@
       </a:bgFillStyleLst>
     </a:fmtScheme>
   </a:themeElements>
-  <a:objectDefaults/>
-  <a:extraClrSchemeLst/>
   <a:extLst>
     <a:ext uri="{05A4C25C-085E-4340-85A3-A5531E510DB2}">
       <thm15:themeFamily xmlns:thm15="http://schemas.microsoft.com/office/thememl/2012/main" name="Office Theme" id="{62F939B6-93AF-4DB8-9C6B-D6C7DFDC589F}" vid="{4A3C46E8-61CC-4603-A589-7422A47A8E4A}"/>
@@ -11177,8 +11204,6 @@
       </a:bgFillStyleLst>
     </a:fmtScheme>
   </a:themeElements>
-  <a:objectDefaults/>
-  <a:extraClrSchemeLst/>
   <a:extLst>
     <a:ext uri="{05A4C25C-085E-4340-85A3-A5531E510DB2}">
       <thm15:themeFamily xmlns:thm15="http://schemas.microsoft.com/office/thememl/2012/main" name="Office Theme" id="{62F939B6-93AF-4DB8-9C6B-D6C7DFDC589F}" vid="{4A3C46E8-61CC-4603-A589-7422A47A8E4A}"/>
@@ -11438,8 +11463,6 @@
       </a:bgFillStyleLst>
     </a:fmtScheme>
   </a:themeElements>
-  <a:objectDefaults/>
-  <a:extraClrSchemeLst/>
   <a:extLst>
     <a:ext uri="{05A4C25C-085E-4340-85A3-A5531E510DB2}">
       <thm15:themeFamily xmlns:thm15="http://schemas.microsoft.com/office/thememl/2012/main" name="Office Theme" id="{62F939B6-93AF-4DB8-9C6B-D6C7DFDC589F}" vid="{4A3C46E8-61CC-4603-A589-7422A47A8E4A}"/>
